--- a/Data_Analysis_of_GDS_Grands_Hotel_Chain_in.pptx
+++ b/Data_Analysis_of_GDS_Grands_Hotel_Chain_in.pptx
@@ -112,7 +112,7 @@
   </p:defaultTextStyle>
   <p:extLst>
     <p:ext uri="{EFAFB233-063F-42B5-8137-9DF3F51BA10A}">
-      <p15:sldGuideLst xmlns:p15="http://schemas.microsoft.com/office/powerpoint/2012/main"/>
+      <p15:sldGuideLst xmlns:p15="http://schemas.microsoft.com/office/powerpoint/2012/main" xmlns=""/>
     </p:ext>
   </p:extLst>
 </p:presentation>
@@ -140,7 +140,7 @@
           <p:cNvPr id="2" name="Title 1">
             <a:extLst>
               <a:ext uri="{FF2B5EF4-FFF2-40B4-BE49-F238E27FC236}">
-                <a16:creationId xmlns:a16="http://schemas.microsoft.com/office/drawing/2014/main" id="{966B3680-C791-961B-95DD-FDAF16AB354A}"/>
+                <a16:creationId xmlns:a16="http://schemas.microsoft.com/office/drawing/2014/main" xmlns="" id="{966B3680-C791-961B-95DD-FDAF16AB354A}"/>
               </a:ext>
             </a:extLst>
           </p:cNvPr>
@@ -178,7 +178,7 @@
           <p:cNvPr id="3" name="Subtitle 2">
             <a:extLst>
               <a:ext uri="{FF2B5EF4-FFF2-40B4-BE49-F238E27FC236}">
-                <a16:creationId xmlns:a16="http://schemas.microsoft.com/office/drawing/2014/main" id="{B24A4352-D3AB-C046-B435-5E3FE37C9932}"/>
+                <a16:creationId xmlns:a16="http://schemas.microsoft.com/office/drawing/2014/main" xmlns="" id="{B24A4352-D3AB-C046-B435-5E3FE37C9932}"/>
               </a:ext>
             </a:extLst>
           </p:cNvPr>
@@ -249,7 +249,7 @@
           <p:cNvPr id="4" name="Date Placeholder 3">
             <a:extLst>
               <a:ext uri="{FF2B5EF4-FFF2-40B4-BE49-F238E27FC236}">
-                <a16:creationId xmlns:a16="http://schemas.microsoft.com/office/drawing/2014/main" id="{37554174-185B-86E2-3DC2-8C18B7E11C6D}"/>
+                <a16:creationId xmlns:a16="http://schemas.microsoft.com/office/drawing/2014/main" xmlns="" id="{37554174-185B-86E2-3DC2-8C18B7E11C6D}"/>
               </a:ext>
             </a:extLst>
           </p:cNvPr>
@@ -267,7 +267,8 @@
           <a:p>
             <a:fld id="{477CF345-BC39-40AB-9A98-6ED92A2B4BE0}" type="datetimeFigureOut">
               <a:rPr lang="en-AU" smtClean="0"/>
-              <a:t>23/03/2024</a:t>
+              <a:pPr/>
+              <a:t>24/03/2024</a:t>
             </a:fld>
             <a:endParaRPr lang="en-AU"/>
           </a:p>
@@ -278,7 +279,7 @@
           <p:cNvPr id="5" name="Footer Placeholder 4">
             <a:extLst>
               <a:ext uri="{FF2B5EF4-FFF2-40B4-BE49-F238E27FC236}">
-                <a16:creationId xmlns:a16="http://schemas.microsoft.com/office/drawing/2014/main" id="{124014CA-EF7A-0AA8-2C04-C31AFA77E512}"/>
+                <a16:creationId xmlns:a16="http://schemas.microsoft.com/office/drawing/2014/main" xmlns="" id="{124014CA-EF7A-0AA8-2C04-C31AFA77E512}"/>
               </a:ext>
             </a:extLst>
           </p:cNvPr>
@@ -303,7 +304,7 @@
           <p:cNvPr id="6" name="Slide Number Placeholder 5">
             <a:extLst>
               <a:ext uri="{FF2B5EF4-FFF2-40B4-BE49-F238E27FC236}">
-                <a16:creationId xmlns:a16="http://schemas.microsoft.com/office/drawing/2014/main" id="{D67B7AE8-C865-ADF9-341B-E68315FA5B1E}"/>
+                <a16:creationId xmlns:a16="http://schemas.microsoft.com/office/drawing/2014/main" xmlns="" id="{D67B7AE8-C865-ADF9-341B-E68315FA5B1E}"/>
               </a:ext>
             </a:extLst>
           </p:cNvPr>
@@ -321,6 +322,7 @@
           <a:p>
             <a:fld id="{3CF5BF7F-F7DD-46E0-B84C-BD828AC39949}" type="slidenum">
               <a:rPr lang="en-AU" smtClean="0"/>
+              <a:pPr/>
               <a:t>‹#›</a:t>
             </a:fld>
             <a:endParaRPr lang="en-AU"/>
@@ -330,7 +332,7 @@
     </p:spTree>
     <p:extLst>
       <p:ext uri="{BB962C8B-B14F-4D97-AF65-F5344CB8AC3E}">
-        <p14:creationId xmlns:p14="http://schemas.microsoft.com/office/powerpoint/2010/main" val="3586931041"/>
+        <p14:creationId xmlns:p14="http://schemas.microsoft.com/office/powerpoint/2010/main" xmlns="" val="3586931041"/>
       </p:ext>
     </p:extLst>
   </p:cSld>
@@ -362,7 +364,7 @@
           <p:cNvPr id="2" name="Title 1">
             <a:extLst>
               <a:ext uri="{FF2B5EF4-FFF2-40B4-BE49-F238E27FC236}">
-                <a16:creationId xmlns:a16="http://schemas.microsoft.com/office/drawing/2014/main" id="{C9062A09-E883-0EE8-637B-1DFC64BCD6ED}"/>
+                <a16:creationId xmlns:a16="http://schemas.microsoft.com/office/drawing/2014/main" xmlns="" id="{C9062A09-E883-0EE8-637B-1DFC64BCD6ED}"/>
               </a:ext>
             </a:extLst>
           </p:cNvPr>
@@ -391,7 +393,7 @@
           <p:cNvPr id="3" name="Vertical Text Placeholder 2">
             <a:extLst>
               <a:ext uri="{FF2B5EF4-FFF2-40B4-BE49-F238E27FC236}">
-                <a16:creationId xmlns:a16="http://schemas.microsoft.com/office/drawing/2014/main" id="{4B7799E9-D583-E6B4-E43E-EA35107453B2}"/>
+                <a16:creationId xmlns:a16="http://schemas.microsoft.com/office/drawing/2014/main" xmlns="" id="{4B7799E9-D583-E6B4-E43E-EA35107453B2}"/>
               </a:ext>
             </a:extLst>
           </p:cNvPr>
@@ -449,7 +451,7 @@
           <p:cNvPr id="4" name="Date Placeholder 3">
             <a:extLst>
               <a:ext uri="{FF2B5EF4-FFF2-40B4-BE49-F238E27FC236}">
-                <a16:creationId xmlns:a16="http://schemas.microsoft.com/office/drawing/2014/main" id="{25EEC5F5-C050-DD3D-5DC4-B1AB5A6AD918}"/>
+                <a16:creationId xmlns:a16="http://schemas.microsoft.com/office/drawing/2014/main" xmlns="" id="{25EEC5F5-C050-DD3D-5DC4-B1AB5A6AD918}"/>
               </a:ext>
             </a:extLst>
           </p:cNvPr>
@@ -467,7 +469,8 @@
           <a:p>
             <a:fld id="{477CF345-BC39-40AB-9A98-6ED92A2B4BE0}" type="datetimeFigureOut">
               <a:rPr lang="en-AU" smtClean="0"/>
-              <a:t>23/03/2024</a:t>
+              <a:pPr/>
+              <a:t>24/03/2024</a:t>
             </a:fld>
             <a:endParaRPr lang="en-AU"/>
           </a:p>
@@ -478,7 +481,7 @@
           <p:cNvPr id="5" name="Footer Placeholder 4">
             <a:extLst>
               <a:ext uri="{FF2B5EF4-FFF2-40B4-BE49-F238E27FC236}">
-                <a16:creationId xmlns:a16="http://schemas.microsoft.com/office/drawing/2014/main" id="{88E6E5BB-97CD-0703-5D6C-12E5887020C6}"/>
+                <a16:creationId xmlns:a16="http://schemas.microsoft.com/office/drawing/2014/main" xmlns="" id="{88E6E5BB-97CD-0703-5D6C-12E5887020C6}"/>
               </a:ext>
             </a:extLst>
           </p:cNvPr>
@@ -503,7 +506,7 @@
           <p:cNvPr id="6" name="Slide Number Placeholder 5">
             <a:extLst>
               <a:ext uri="{FF2B5EF4-FFF2-40B4-BE49-F238E27FC236}">
-                <a16:creationId xmlns:a16="http://schemas.microsoft.com/office/drawing/2014/main" id="{90C946B6-FE9B-B577-0607-8C6926106D5D}"/>
+                <a16:creationId xmlns:a16="http://schemas.microsoft.com/office/drawing/2014/main" xmlns="" id="{90C946B6-FE9B-B577-0607-8C6926106D5D}"/>
               </a:ext>
             </a:extLst>
           </p:cNvPr>
@@ -521,6 +524,7 @@
           <a:p>
             <a:fld id="{3CF5BF7F-F7DD-46E0-B84C-BD828AC39949}" type="slidenum">
               <a:rPr lang="en-AU" smtClean="0"/>
+              <a:pPr/>
               <a:t>‹#›</a:t>
             </a:fld>
             <a:endParaRPr lang="en-AU"/>
@@ -530,7 +534,7 @@
     </p:spTree>
     <p:extLst>
       <p:ext uri="{BB962C8B-B14F-4D97-AF65-F5344CB8AC3E}">
-        <p14:creationId xmlns:p14="http://schemas.microsoft.com/office/powerpoint/2010/main" val="1516267940"/>
+        <p14:creationId xmlns:p14="http://schemas.microsoft.com/office/powerpoint/2010/main" xmlns="" val="1516267940"/>
       </p:ext>
     </p:extLst>
   </p:cSld>
@@ -562,7 +566,7 @@
           <p:cNvPr id="2" name="Vertical Title 1">
             <a:extLst>
               <a:ext uri="{FF2B5EF4-FFF2-40B4-BE49-F238E27FC236}">
-                <a16:creationId xmlns:a16="http://schemas.microsoft.com/office/drawing/2014/main" id="{D62B4297-3156-9734-615D-8662BA7D18B4}"/>
+                <a16:creationId xmlns:a16="http://schemas.microsoft.com/office/drawing/2014/main" xmlns="" id="{D62B4297-3156-9734-615D-8662BA7D18B4}"/>
               </a:ext>
             </a:extLst>
           </p:cNvPr>
@@ -596,7 +600,7 @@
           <p:cNvPr id="3" name="Vertical Text Placeholder 2">
             <a:extLst>
               <a:ext uri="{FF2B5EF4-FFF2-40B4-BE49-F238E27FC236}">
-                <a16:creationId xmlns:a16="http://schemas.microsoft.com/office/drawing/2014/main" id="{04417CF1-926F-3D89-0747-ECCE19954A9B}"/>
+                <a16:creationId xmlns:a16="http://schemas.microsoft.com/office/drawing/2014/main" xmlns="" id="{04417CF1-926F-3D89-0747-ECCE19954A9B}"/>
               </a:ext>
             </a:extLst>
           </p:cNvPr>
@@ -659,7 +663,7 @@
           <p:cNvPr id="4" name="Date Placeholder 3">
             <a:extLst>
               <a:ext uri="{FF2B5EF4-FFF2-40B4-BE49-F238E27FC236}">
-                <a16:creationId xmlns:a16="http://schemas.microsoft.com/office/drawing/2014/main" id="{A4936769-E3D5-333B-0D86-7DE3214D67DF}"/>
+                <a16:creationId xmlns:a16="http://schemas.microsoft.com/office/drawing/2014/main" xmlns="" id="{A4936769-E3D5-333B-0D86-7DE3214D67DF}"/>
               </a:ext>
             </a:extLst>
           </p:cNvPr>
@@ -677,7 +681,8 @@
           <a:p>
             <a:fld id="{477CF345-BC39-40AB-9A98-6ED92A2B4BE0}" type="datetimeFigureOut">
               <a:rPr lang="en-AU" smtClean="0"/>
-              <a:t>23/03/2024</a:t>
+              <a:pPr/>
+              <a:t>24/03/2024</a:t>
             </a:fld>
             <a:endParaRPr lang="en-AU"/>
           </a:p>
@@ -688,7 +693,7 @@
           <p:cNvPr id="5" name="Footer Placeholder 4">
             <a:extLst>
               <a:ext uri="{FF2B5EF4-FFF2-40B4-BE49-F238E27FC236}">
-                <a16:creationId xmlns:a16="http://schemas.microsoft.com/office/drawing/2014/main" id="{9F156A5C-DA75-2656-1CEA-14B01E141E1F}"/>
+                <a16:creationId xmlns:a16="http://schemas.microsoft.com/office/drawing/2014/main" xmlns="" id="{9F156A5C-DA75-2656-1CEA-14B01E141E1F}"/>
               </a:ext>
             </a:extLst>
           </p:cNvPr>
@@ -713,7 +718,7 @@
           <p:cNvPr id="6" name="Slide Number Placeholder 5">
             <a:extLst>
               <a:ext uri="{FF2B5EF4-FFF2-40B4-BE49-F238E27FC236}">
-                <a16:creationId xmlns:a16="http://schemas.microsoft.com/office/drawing/2014/main" id="{2ABF965E-8D20-7B55-7781-C3F0C7387DFB}"/>
+                <a16:creationId xmlns:a16="http://schemas.microsoft.com/office/drawing/2014/main" xmlns="" id="{2ABF965E-8D20-7B55-7781-C3F0C7387DFB}"/>
               </a:ext>
             </a:extLst>
           </p:cNvPr>
@@ -731,6 +736,7 @@
           <a:p>
             <a:fld id="{3CF5BF7F-F7DD-46E0-B84C-BD828AC39949}" type="slidenum">
               <a:rPr lang="en-AU" smtClean="0"/>
+              <a:pPr/>
               <a:t>‹#›</a:t>
             </a:fld>
             <a:endParaRPr lang="en-AU"/>
@@ -740,7 +746,7 @@
     </p:spTree>
     <p:extLst>
       <p:ext uri="{BB962C8B-B14F-4D97-AF65-F5344CB8AC3E}">
-        <p14:creationId xmlns:p14="http://schemas.microsoft.com/office/powerpoint/2010/main" val="526915977"/>
+        <p14:creationId xmlns:p14="http://schemas.microsoft.com/office/powerpoint/2010/main" xmlns="" val="526915977"/>
       </p:ext>
     </p:extLst>
   </p:cSld>
@@ -772,7 +778,7 @@
           <p:cNvPr id="2" name="Title 1">
             <a:extLst>
               <a:ext uri="{FF2B5EF4-FFF2-40B4-BE49-F238E27FC236}">
-                <a16:creationId xmlns:a16="http://schemas.microsoft.com/office/drawing/2014/main" id="{2469E903-0C6F-469D-31D2-82C5C886A5D2}"/>
+                <a16:creationId xmlns:a16="http://schemas.microsoft.com/office/drawing/2014/main" xmlns="" id="{2469E903-0C6F-469D-31D2-82C5C886A5D2}"/>
               </a:ext>
             </a:extLst>
           </p:cNvPr>
@@ -801,7 +807,7 @@
           <p:cNvPr id="3" name="Content Placeholder 2">
             <a:extLst>
               <a:ext uri="{FF2B5EF4-FFF2-40B4-BE49-F238E27FC236}">
-                <a16:creationId xmlns:a16="http://schemas.microsoft.com/office/drawing/2014/main" id="{97707E5C-32C2-9C3C-61AA-1DB19ACB3DAA}"/>
+                <a16:creationId xmlns:a16="http://schemas.microsoft.com/office/drawing/2014/main" xmlns="" id="{97707E5C-32C2-9C3C-61AA-1DB19ACB3DAA}"/>
               </a:ext>
             </a:extLst>
           </p:cNvPr>
@@ -859,7 +865,7 @@
           <p:cNvPr id="4" name="Date Placeholder 3">
             <a:extLst>
               <a:ext uri="{FF2B5EF4-FFF2-40B4-BE49-F238E27FC236}">
-                <a16:creationId xmlns:a16="http://schemas.microsoft.com/office/drawing/2014/main" id="{6AB5E4A2-B152-2F01-57F8-60247EF1C712}"/>
+                <a16:creationId xmlns:a16="http://schemas.microsoft.com/office/drawing/2014/main" xmlns="" id="{6AB5E4A2-B152-2F01-57F8-60247EF1C712}"/>
               </a:ext>
             </a:extLst>
           </p:cNvPr>
@@ -877,7 +883,8 @@
           <a:p>
             <a:fld id="{477CF345-BC39-40AB-9A98-6ED92A2B4BE0}" type="datetimeFigureOut">
               <a:rPr lang="en-AU" smtClean="0"/>
-              <a:t>23/03/2024</a:t>
+              <a:pPr/>
+              <a:t>24/03/2024</a:t>
             </a:fld>
             <a:endParaRPr lang="en-AU"/>
           </a:p>
@@ -888,7 +895,7 @@
           <p:cNvPr id="5" name="Footer Placeholder 4">
             <a:extLst>
               <a:ext uri="{FF2B5EF4-FFF2-40B4-BE49-F238E27FC236}">
-                <a16:creationId xmlns:a16="http://schemas.microsoft.com/office/drawing/2014/main" id="{AA86093B-E524-92D8-316A-7AEBA79EEE53}"/>
+                <a16:creationId xmlns:a16="http://schemas.microsoft.com/office/drawing/2014/main" xmlns="" id="{AA86093B-E524-92D8-316A-7AEBA79EEE53}"/>
               </a:ext>
             </a:extLst>
           </p:cNvPr>
@@ -913,7 +920,7 @@
           <p:cNvPr id="6" name="Slide Number Placeholder 5">
             <a:extLst>
               <a:ext uri="{FF2B5EF4-FFF2-40B4-BE49-F238E27FC236}">
-                <a16:creationId xmlns:a16="http://schemas.microsoft.com/office/drawing/2014/main" id="{1D0AD125-D229-BCC3-E881-E429727333C6}"/>
+                <a16:creationId xmlns:a16="http://schemas.microsoft.com/office/drawing/2014/main" xmlns="" id="{1D0AD125-D229-BCC3-E881-E429727333C6}"/>
               </a:ext>
             </a:extLst>
           </p:cNvPr>
@@ -931,6 +938,7 @@
           <a:p>
             <a:fld id="{3CF5BF7F-F7DD-46E0-B84C-BD828AC39949}" type="slidenum">
               <a:rPr lang="en-AU" smtClean="0"/>
+              <a:pPr/>
               <a:t>‹#›</a:t>
             </a:fld>
             <a:endParaRPr lang="en-AU"/>
@@ -940,7 +948,7 @@
     </p:spTree>
     <p:extLst>
       <p:ext uri="{BB962C8B-B14F-4D97-AF65-F5344CB8AC3E}">
-        <p14:creationId xmlns:p14="http://schemas.microsoft.com/office/powerpoint/2010/main" val="3030278465"/>
+        <p14:creationId xmlns:p14="http://schemas.microsoft.com/office/powerpoint/2010/main" xmlns="" val="3030278465"/>
       </p:ext>
     </p:extLst>
   </p:cSld>
@@ -972,7 +980,7 @@
           <p:cNvPr id="2" name="Title 1">
             <a:extLst>
               <a:ext uri="{FF2B5EF4-FFF2-40B4-BE49-F238E27FC236}">
-                <a16:creationId xmlns:a16="http://schemas.microsoft.com/office/drawing/2014/main" id="{18DFB78E-AB75-BBAA-DA8D-25214F8C6B77}"/>
+                <a16:creationId xmlns:a16="http://schemas.microsoft.com/office/drawing/2014/main" xmlns="" id="{18DFB78E-AB75-BBAA-DA8D-25214F8C6B77}"/>
               </a:ext>
             </a:extLst>
           </p:cNvPr>
@@ -1010,7 +1018,7 @@
           <p:cNvPr id="3" name="Text Placeholder 2">
             <a:extLst>
               <a:ext uri="{FF2B5EF4-FFF2-40B4-BE49-F238E27FC236}">
-                <a16:creationId xmlns:a16="http://schemas.microsoft.com/office/drawing/2014/main" id="{0779883A-C107-1A6A-5B3B-6F18BDE69D84}"/>
+                <a16:creationId xmlns:a16="http://schemas.microsoft.com/office/drawing/2014/main" xmlns="" id="{0779883A-C107-1A6A-5B3B-6F18BDE69D84}"/>
               </a:ext>
             </a:extLst>
           </p:cNvPr>
@@ -1135,7 +1143,7 @@
           <p:cNvPr id="4" name="Date Placeholder 3">
             <a:extLst>
               <a:ext uri="{FF2B5EF4-FFF2-40B4-BE49-F238E27FC236}">
-                <a16:creationId xmlns:a16="http://schemas.microsoft.com/office/drawing/2014/main" id="{3410358F-E64E-03CA-49CE-91EEFDE3EA09}"/>
+                <a16:creationId xmlns:a16="http://schemas.microsoft.com/office/drawing/2014/main" xmlns="" id="{3410358F-E64E-03CA-49CE-91EEFDE3EA09}"/>
               </a:ext>
             </a:extLst>
           </p:cNvPr>
@@ -1153,7 +1161,8 @@
           <a:p>
             <a:fld id="{477CF345-BC39-40AB-9A98-6ED92A2B4BE0}" type="datetimeFigureOut">
               <a:rPr lang="en-AU" smtClean="0"/>
-              <a:t>23/03/2024</a:t>
+              <a:pPr/>
+              <a:t>24/03/2024</a:t>
             </a:fld>
             <a:endParaRPr lang="en-AU"/>
           </a:p>
@@ -1164,7 +1173,7 @@
           <p:cNvPr id="5" name="Footer Placeholder 4">
             <a:extLst>
               <a:ext uri="{FF2B5EF4-FFF2-40B4-BE49-F238E27FC236}">
-                <a16:creationId xmlns:a16="http://schemas.microsoft.com/office/drawing/2014/main" id="{32B51857-2B13-2465-9E08-13FD4A3D8371}"/>
+                <a16:creationId xmlns:a16="http://schemas.microsoft.com/office/drawing/2014/main" xmlns="" id="{32B51857-2B13-2465-9E08-13FD4A3D8371}"/>
               </a:ext>
             </a:extLst>
           </p:cNvPr>
@@ -1189,7 +1198,7 @@
           <p:cNvPr id="6" name="Slide Number Placeholder 5">
             <a:extLst>
               <a:ext uri="{FF2B5EF4-FFF2-40B4-BE49-F238E27FC236}">
-                <a16:creationId xmlns:a16="http://schemas.microsoft.com/office/drawing/2014/main" id="{2ACB9B80-5780-CA97-4F35-3EACFF4D1CDD}"/>
+                <a16:creationId xmlns:a16="http://schemas.microsoft.com/office/drawing/2014/main" xmlns="" id="{2ACB9B80-5780-CA97-4F35-3EACFF4D1CDD}"/>
               </a:ext>
             </a:extLst>
           </p:cNvPr>
@@ -1207,6 +1216,7 @@
           <a:p>
             <a:fld id="{3CF5BF7F-F7DD-46E0-B84C-BD828AC39949}" type="slidenum">
               <a:rPr lang="en-AU" smtClean="0"/>
+              <a:pPr/>
               <a:t>‹#›</a:t>
             </a:fld>
             <a:endParaRPr lang="en-AU"/>
@@ -1216,7 +1226,7 @@
     </p:spTree>
     <p:extLst>
       <p:ext uri="{BB962C8B-B14F-4D97-AF65-F5344CB8AC3E}">
-        <p14:creationId xmlns:p14="http://schemas.microsoft.com/office/powerpoint/2010/main" val="269506696"/>
+        <p14:creationId xmlns:p14="http://schemas.microsoft.com/office/powerpoint/2010/main" xmlns="" val="269506696"/>
       </p:ext>
     </p:extLst>
   </p:cSld>
@@ -1248,7 +1258,7 @@
           <p:cNvPr id="2" name="Title 1">
             <a:extLst>
               <a:ext uri="{FF2B5EF4-FFF2-40B4-BE49-F238E27FC236}">
-                <a16:creationId xmlns:a16="http://schemas.microsoft.com/office/drawing/2014/main" id="{3F6D6883-0C54-DB65-6541-7C664EC66342}"/>
+                <a16:creationId xmlns:a16="http://schemas.microsoft.com/office/drawing/2014/main" xmlns="" id="{3F6D6883-0C54-DB65-6541-7C664EC66342}"/>
               </a:ext>
             </a:extLst>
           </p:cNvPr>
@@ -1277,7 +1287,7 @@
           <p:cNvPr id="3" name="Content Placeholder 2">
             <a:extLst>
               <a:ext uri="{FF2B5EF4-FFF2-40B4-BE49-F238E27FC236}">
-                <a16:creationId xmlns:a16="http://schemas.microsoft.com/office/drawing/2014/main" id="{B165D3D2-0EBE-54E1-5D5A-FE210DE4AB22}"/>
+                <a16:creationId xmlns:a16="http://schemas.microsoft.com/office/drawing/2014/main" xmlns="" id="{B165D3D2-0EBE-54E1-5D5A-FE210DE4AB22}"/>
               </a:ext>
             </a:extLst>
           </p:cNvPr>
@@ -1340,7 +1350,7 @@
           <p:cNvPr id="4" name="Content Placeholder 3">
             <a:extLst>
               <a:ext uri="{FF2B5EF4-FFF2-40B4-BE49-F238E27FC236}">
-                <a16:creationId xmlns:a16="http://schemas.microsoft.com/office/drawing/2014/main" id="{C1E26416-C0EB-A49B-E3D3-91C008246DDC}"/>
+                <a16:creationId xmlns:a16="http://schemas.microsoft.com/office/drawing/2014/main" xmlns="" id="{C1E26416-C0EB-A49B-E3D3-91C008246DDC}"/>
               </a:ext>
             </a:extLst>
           </p:cNvPr>
@@ -1403,7 +1413,7 @@
           <p:cNvPr id="5" name="Date Placeholder 4">
             <a:extLst>
               <a:ext uri="{FF2B5EF4-FFF2-40B4-BE49-F238E27FC236}">
-                <a16:creationId xmlns:a16="http://schemas.microsoft.com/office/drawing/2014/main" id="{24481725-584B-CC20-5378-8B7BA8265EC3}"/>
+                <a16:creationId xmlns:a16="http://schemas.microsoft.com/office/drawing/2014/main" xmlns="" id="{24481725-584B-CC20-5378-8B7BA8265EC3}"/>
               </a:ext>
             </a:extLst>
           </p:cNvPr>
@@ -1421,7 +1431,8 @@
           <a:p>
             <a:fld id="{477CF345-BC39-40AB-9A98-6ED92A2B4BE0}" type="datetimeFigureOut">
               <a:rPr lang="en-AU" smtClean="0"/>
-              <a:t>23/03/2024</a:t>
+              <a:pPr/>
+              <a:t>24/03/2024</a:t>
             </a:fld>
             <a:endParaRPr lang="en-AU"/>
           </a:p>
@@ -1432,7 +1443,7 @@
           <p:cNvPr id="6" name="Footer Placeholder 5">
             <a:extLst>
               <a:ext uri="{FF2B5EF4-FFF2-40B4-BE49-F238E27FC236}">
-                <a16:creationId xmlns:a16="http://schemas.microsoft.com/office/drawing/2014/main" id="{0CF2E17C-B24A-3361-77A2-D3E6E0607574}"/>
+                <a16:creationId xmlns:a16="http://schemas.microsoft.com/office/drawing/2014/main" xmlns="" id="{0CF2E17C-B24A-3361-77A2-D3E6E0607574}"/>
               </a:ext>
             </a:extLst>
           </p:cNvPr>
@@ -1457,7 +1468,7 @@
           <p:cNvPr id="7" name="Slide Number Placeholder 6">
             <a:extLst>
               <a:ext uri="{FF2B5EF4-FFF2-40B4-BE49-F238E27FC236}">
-                <a16:creationId xmlns:a16="http://schemas.microsoft.com/office/drawing/2014/main" id="{A73A8696-D016-D12F-6BB9-992DAA641DA2}"/>
+                <a16:creationId xmlns:a16="http://schemas.microsoft.com/office/drawing/2014/main" xmlns="" id="{A73A8696-D016-D12F-6BB9-992DAA641DA2}"/>
               </a:ext>
             </a:extLst>
           </p:cNvPr>
@@ -1475,6 +1486,7 @@
           <a:p>
             <a:fld id="{3CF5BF7F-F7DD-46E0-B84C-BD828AC39949}" type="slidenum">
               <a:rPr lang="en-AU" smtClean="0"/>
+              <a:pPr/>
               <a:t>‹#›</a:t>
             </a:fld>
             <a:endParaRPr lang="en-AU"/>
@@ -1484,7 +1496,7 @@
     </p:spTree>
     <p:extLst>
       <p:ext uri="{BB962C8B-B14F-4D97-AF65-F5344CB8AC3E}">
-        <p14:creationId xmlns:p14="http://schemas.microsoft.com/office/powerpoint/2010/main" val="3969337106"/>
+        <p14:creationId xmlns:p14="http://schemas.microsoft.com/office/powerpoint/2010/main" xmlns="" val="3969337106"/>
       </p:ext>
     </p:extLst>
   </p:cSld>
@@ -1516,7 +1528,7 @@
           <p:cNvPr id="2" name="Title 1">
             <a:extLst>
               <a:ext uri="{FF2B5EF4-FFF2-40B4-BE49-F238E27FC236}">
-                <a16:creationId xmlns:a16="http://schemas.microsoft.com/office/drawing/2014/main" id="{5762FBE8-90A9-95C8-54EA-E3F7D4BA48FE}"/>
+                <a16:creationId xmlns:a16="http://schemas.microsoft.com/office/drawing/2014/main" xmlns="" id="{5762FBE8-90A9-95C8-54EA-E3F7D4BA48FE}"/>
               </a:ext>
             </a:extLst>
           </p:cNvPr>
@@ -1550,7 +1562,7 @@
           <p:cNvPr id="3" name="Text Placeholder 2">
             <a:extLst>
               <a:ext uri="{FF2B5EF4-FFF2-40B4-BE49-F238E27FC236}">
-                <a16:creationId xmlns:a16="http://schemas.microsoft.com/office/drawing/2014/main" id="{169F7D56-1755-D0CC-16CD-4F27C0C8F043}"/>
+                <a16:creationId xmlns:a16="http://schemas.microsoft.com/office/drawing/2014/main" xmlns="" id="{169F7D56-1755-D0CC-16CD-4F27C0C8F043}"/>
               </a:ext>
             </a:extLst>
           </p:cNvPr>
@@ -1621,7 +1633,7 @@
           <p:cNvPr id="4" name="Content Placeholder 3">
             <a:extLst>
               <a:ext uri="{FF2B5EF4-FFF2-40B4-BE49-F238E27FC236}">
-                <a16:creationId xmlns:a16="http://schemas.microsoft.com/office/drawing/2014/main" id="{37CBE315-4538-44F3-B14C-F1F729B753CD}"/>
+                <a16:creationId xmlns:a16="http://schemas.microsoft.com/office/drawing/2014/main" xmlns="" id="{37CBE315-4538-44F3-B14C-F1F729B753CD}"/>
               </a:ext>
             </a:extLst>
           </p:cNvPr>
@@ -1684,7 +1696,7 @@
           <p:cNvPr id="5" name="Text Placeholder 4">
             <a:extLst>
               <a:ext uri="{FF2B5EF4-FFF2-40B4-BE49-F238E27FC236}">
-                <a16:creationId xmlns:a16="http://schemas.microsoft.com/office/drawing/2014/main" id="{625C3985-48E1-37FB-1080-8DEE081557F9}"/>
+                <a16:creationId xmlns:a16="http://schemas.microsoft.com/office/drawing/2014/main" xmlns="" id="{625C3985-48E1-37FB-1080-8DEE081557F9}"/>
               </a:ext>
             </a:extLst>
           </p:cNvPr>
@@ -1755,7 +1767,7 @@
           <p:cNvPr id="6" name="Content Placeholder 5">
             <a:extLst>
               <a:ext uri="{FF2B5EF4-FFF2-40B4-BE49-F238E27FC236}">
-                <a16:creationId xmlns:a16="http://schemas.microsoft.com/office/drawing/2014/main" id="{284D5B48-CEDD-598C-5545-4BC14843F039}"/>
+                <a16:creationId xmlns:a16="http://schemas.microsoft.com/office/drawing/2014/main" xmlns="" id="{284D5B48-CEDD-598C-5545-4BC14843F039}"/>
               </a:ext>
             </a:extLst>
           </p:cNvPr>
@@ -1818,7 +1830,7 @@
           <p:cNvPr id="7" name="Date Placeholder 6">
             <a:extLst>
               <a:ext uri="{FF2B5EF4-FFF2-40B4-BE49-F238E27FC236}">
-                <a16:creationId xmlns:a16="http://schemas.microsoft.com/office/drawing/2014/main" id="{D7BF13D9-962E-8773-0F11-3752C1C6C90C}"/>
+                <a16:creationId xmlns:a16="http://schemas.microsoft.com/office/drawing/2014/main" xmlns="" id="{D7BF13D9-962E-8773-0F11-3752C1C6C90C}"/>
               </a:ext>
             </a:extLst>
           </p:cNvPr>
@@ -1836,7 +1848,8 @@
           <a:p>
             <a:fld id="{477CF345-BC39-40AB-9A98-6ED92A2B4BE0}" type="datetimeFigureOut">
               <a:rPr lang="en-AU" smtClean="0"/>
-              <a:t>23/03/2024</a:t>
+              <a:pPr/>
+              <a:t>24/03/2024</a:t>
             </a:fld>
             <a:endParaRPr lang="en-AU"/>
           </a:p>
@@ -1847,7 +1860,7 @@
           <p:cNvPr id="8" name="Footer Placeholder 7">
             <a:extLst>
               <a:ext uri="{FF2B5EF4-FFF2-40B4-BE49-F238E27FC236}">
-                <a16:creationId xmlns:a16="http://schemas.microsoft.com/office/drawing/2014/main" id="{8BCACB30-1A79-8B88-7147-BBEF7FEC8B09}"/>
+                <a16:creationId xmlns:a16="http://schemas.microsoft.com/office/drawing/2014/main" xmlns="" id="{8BCACB30-1A79-8B88-7147-BBEF7FEC8B09}"/>
               </a:ext>
             </a:extLst>
           </p:cNvPr>
@@ -1872,7 +1885,7 @@
           <p:cNvPr id="9" name="Slide Number Placeholder 8">
             <a:extLst>
               <a:ext uri="{FF2B5EF4-FFF2-40B4-BE49-F238E27FC236}">
-                <a16:creationId xmlns:a16="http://schemas.microsoft.com/office/drawing/2014/main" id="{258F5BA2-C368-2F84-EAF8-1412652F42CA}"/>
+                <a16:creationId xmlns:a16="http://schemas.microsoft.com/office/drawing/2014/main" xmlns="" id="{258F5BA2-C368-2F84-EAF8-1412652F42CA}"/>
               </a:ext>
             </a:extLst>
           </p:cNvPr>
@@ -1890,6 +1903,7 @@
           <a:p>
             <a:fld id="{3CF5BF7F-F7DD-46E0-B84C-BD828AC39949}" type="slidenum">
               <a:rPr lang="en-AU" smtClean="0"/>
+              <a:pPr/>
               <a:t>‹#›</a:t>
             </a:fld>
             <a:endParaRPr lang="en-AU"/>
@@ -1899,7 +1913,7 @@
     </p:spTree>
     <p:extLst>
       <p:ext uri="{BB962C8B-B14F-4D97-AF65-F5344CB8AC3E}">
-        <p14:creationId xmlns:p14="http://schemas.microsoft.com/office/powerpoint/2010/main" val="3290617648"/>
+        <p14:creationId xmlns:p14="http://schemas.microsoft.com/office/powerpoint/2010/main" xmlns="" val="3290617648"/>
       </p:ext>
     </p:extLst>
   </p:cSld>
@@ -1931,7 +1945,7 @@
           <p:cNvPr id="2" name="Title 1">
             <a:extLst>
               <a:ext uri="{FF2B5EF4-FFF2-40B4-BE49-F238E27FC236}">
-                <a16:creationId xmlns:a16="http://schemas.microsoft.com/office/drawing/2014/main" id="{BA731D9A-AC44-97A6-368A-D53EAD15753B}"/>
+                <a16:creationId xmlns:a16="http://schemas.microsoft.com/office/drawing/2014/main" xmlns="" id="{BA731D9A-AC44-97A6-368A-D53EAD15753B}"/>
               </a:ext>
             </a:extLst>
           </p:cNvPr>
@@ -1960,7 +1974,7 @@
           <p:cNvPr id="3" name="Date Placeholder 2">
             <a:extLst>
               <a:ext uri="{FF2B5EF4-FFF2-40B4-BE49-F238E27FC236}">
-                <a16:creationId xmlns:a16="http://schemas.microsoft.com/office/drawing/2014/main" id="{78477F6D-400C-5175-C950-61E62D226A27}"/>
+                <a16:creationId xmlns:a16="http://schemas.microsoft.com/office/drawing/2014/main" xmlns="" id="{78477F6D-400C-5175-C950-61E62D226A27}"/>
               </a:ext>
             </a:extLst>
           </p:cNvPr>
@@ -1978,7 +1992,8 @@
           <a:p>
             <a:fld id="{477CF345-BC39-40AB-9A98-6ED92A2B4BE0}" type="datetimeFigureOut">
               <a:rPr lang="en-AU" smtClean="0"/>
-              <a:t>23/03/2024</a:t>
+              <a:pPr/>
+              <a:t>24/03/2024</a:t>
             </a:fld>
             <a:endParaRPr lang="en-AU"/>
           </a:p>
@@ -1989,7 +2004,7 @@
           <p:cNvPr id="4" name="Footer Placeholder 3">
             <a:extLst>
               <a:ext uri="{FF2B5EF4-FFF2-40B4-BE49-F238E27FC236}">
-                <a16:creationId xmlns:a16="http://schemas.microsoft.com/office/drawing/2014/main" id="{2BC63916-A541-746C-9F8C-C46B5924992A}"/>
+                <a16:creationId xmlns:a16="http://schemas.microsoft.com/office/drawing/2014/main" xmlns="" id="{2BC63916-A541-746C-9F8C-C46B5924992A}"/>
               </a:ext>
             </a:extLst>
           </p:cNvPr>
@@ -2014,7 +2029,7 @@
           <p:cNvPr id="5" name="Slide Number Placeholder 4">
             <a:extLst>
               <a:ext uri="{FF2B5EF4-FFF2-40B4-BE49-F238E27FC236}">
-                <a16:creationId xmlns:a16="http://schemas.microsoft.com/office/drawing/2014/main" id="{DD7A54DA-1AF5-9BB4-CE7A-540DFDA6FBCD}"/>
+                <a16:creationId xmlns:a16="http://schemas.microsoft.com/office/drawing/2014/main" xmlns="" id="{DD7A54DA-1AF5-9BB4-CE7A-540DFDA6FBCD}"/>
               </a:ext>
             </a:extLst>
           </p:cNvPr>
@@ -2032,6 +2047,7 @@
           <a:p>
             <a:fld id="{3CF5BF7F-F7DD-46E0-B84C-BD828AC39949}" type="slidenum">
               <a:rPr lang="en-AU" smtClean="0"/>
+              <a:pPr/>
               <a:t>‹#›</a:t>
             </a:fld>
             <a:endParaRPr lang="en-AU"/>
@@ -2041,7 +2057,7 @@
     </p:spTree>
     <p:extLst>
       <p:ext uri="{BB962C8B-B14F-4D97-AF65-F5344CB8AC3E}">
-        <p14:creationId xmlns:p14="http://schemas.microsoft.com/office/powerpoint/2010/main" val="3294835867"/>
+        <p14:creationId xmlns:p14="http://schemas.microsoft.com/office/powerpoint/2010/main" xmlns="" val="3294835867"/>
       </p:ext>
     </p:extLst>
   </p:cSld>
@@ -2073,7 +2089,7 @@
           <p:cNvPr id="2" name="Date Placeholder 1">
             <a:extLst>
               <a:ext uri="{FF2B5EF4-FFF2-40B4-BE49-F238E27FC236}">
-                <a16:creationId xmlns:a16="http://schemas.microsoft.com/office/drawing/2014/main" id="{5E7FDA79-E394-F7E0-8B2E-004E587CF789}"/>
+                <a16:creationId xmlns:a16="http://schemas.microsoft.com/office/drawing/2014/main" xmlns="" id="{5E7FDA79-E394-F7E0-8B2E-004E587CF789}"/>
               </a:ext>
             </a:extLst>
           </p:cNvPr>
@@ -2091,7 +2107,8 @@
           <a:p>
             <a:fld id="{477CF345-BC39-40AB-9A98-6ED92A2B4BE0}" type="datetimeFigureOut">
               <a:rPr lang="en-AU" smtClean="0"/>
-              <a:t>23/03/2024</a:t>
+              <a:pPr/>
+              <a:t>24/03/2024</a:t>
             </a:fld>
             <a:endParaRPr lang="en-AU"/>
           </a:p>
@@ -2102,7 +2119,7 @@
           <p:cNvPr id="3" name="Footer Placeholder 2">
             <a:extLst>
               <a:ext uri="{FF2B5EF4-FFF2-40B4-BE49-F238E27FC236}">
-                <a16:creationId xmlns:a16="http://schemas.microsoft.com/office/drawing/2014/main" id="{6E0E9062-0DE2-9535-E740-7ABB2F6CE949}"/>
+                <a16:creationId xmlns:a16="http://schemas.microsoft.com/office/drawing/2014/main" xmlns="" id="{6E0E9062-0DE2-9535-E740-7ABB2F6CE949}"/>
               </a:ext>
             </a:extLst>
           </p:cNvPr>
@@ -2127,7 +2144,7 @@
           <p:cNvPr id="4" name="Slide Number Placeholder 3">
             <a:extLst>
               <a:ext uri="{FF2B5EF4-FFF2-40B4-BE49-F238E27FC236}">
-                <a16:creationId xmlns:a16="http://schemas.microsoft.com/office/drawing/2014/main" id="{9124CDCC-DE7D-8DFB-8807-06EF4F742B89}"/>
+                <a16:creationId xmlns:a16="http://schemas.microsoft.com/office/drawing/2014/main" xmlns="" id="{9124CDCC-DE7D-8DFB-8807-06EF4F742B89}"/>
               </a:ext>
             </a:extLst>
           </p:cNvPr>
@@ -2145,6 +2162,7 @@
           <a:p>
             <a:fld id="{3CF5BF7F-F7DD-46E0-B84C-BD828AC39949}" type="slidenum">
               <a:rPr lang="en-AU" smtClean="0"/>
+              <a:pPr/>
               <a:t>‹#›</a:t>
             </a:fld>
             <a:endParaRPr lang="en-AU"/>
@@ -2154,7 +2172,7 @@
     </p:spTree>
     <p:extLst>
       <p:ext uri="{BB962C8B-B14F-4D97-AF65-F5344CB8AC3E}">
-        <p14:creationId xmlns:p14="http://schemas.microsoft.com/office/powerpoint/2010/main" val="994562739"/>
+        <p14:creationId xmlns:p14="http://schemas.microsoft.com/office/powerpoint/2010/main" xmlns="" val="994562739"/>
       </p:ext>
     </p:extLst>
   </p:cSld>
@@ -2186,7 +2204,7 @@
           <p:cNvPr id="2" name="Title 1">
             <a:extLst>
               <a:ext uri="{FF2B5EF4-FFF2-40B4-BE49-F238E27FC236}">
-                <a16:creationId xmlns:a16="http://schemas.microsoft.com/office/drawing/2014/main" id="{64EEAE4F-71E4-0239-B420-95213043A162}"/>
+                <a16:creationId xmlns:a16="http://schemas.microsoft.com/office/drawing/2014/main" xmlns="" id="{64EEAE4F-71E4-0239-B420-95213043A162}"/>
               </a:ext>
             </a:extLst>
           </p:cNvPr>
@@ -2224,7 +2242,7 @@
           <p:cNvPr id="3" name="Content Placeholder 2">
             <a:extLst>
               <a:ext uri="{FF2B5EF4-FFF2-40B4-BE49-F238E27FC236}">
-                <a16:creationId xmlns:a16="http://schemas.microsoft.com/office/drawing/2014/main" id="{3A7E0AF8-CD88-97D1-B439-8346BA6D898D}"/>
+                <a16:creationId xmlns:a16="http://schemas.microsoft.com/office/drawing/2014/main" xmlns="" id="{3A7E0AF8-CD88-97D1-B439-8346BA6D898D}"/>
               </a:ext>
             </a:extLst>
           </p:cNvPr>
@@ -2315,7 +2333,7 @@
           <p:cNvPr id="4" name="Text Placeholder 3">
             <a:extLst>
               <a:ext uri="{FF2B5EF4-FFF2-40B4-BE49-F238E27FC236}">
-                <a16:creationId xmlns:a16="http://schemas.microsoft.com/office/drawing/2014/main" id="{0753B665-B1E9-C36B-3DC7-ADDB0520E06D}"/>
+                <a16:creationId xmlns:a16="http://schemas.microsoft.com/office/drawing/2014/main" xmlns="" id="{0753B665-B1E9-C36B-3DC7-ADDB0520E06D}"/>
               </a:ext>
             </a:extLst>
           </p:cNvPr>
@@ -2386,7 +2404,7 @@
           <p:cNvPr id="5" name="Date Placeholder 4">
             <a:extLst>
               <a:ext uri="{FF2B5EF4-FFF2-40B4-BE49-F238E27FC236}">
-                <a16:creationId xmlns:a16="http://schemas.microsoft.com/office/drawing/2014/main" id="{F938C3CF-BA9E-30D3-CF29-5ED52BA89316}"/>
+                <a16:creationId xmlns:a16="http://schemas.microsoft.com/office/drawing/2014/main" xmlns="" id="{F938C3CF-BA9E-30D3-CF29-5ED52BA89316}"/>
               </a:ext>
             </a:extLst>
           </p:cNvPr>
@@ -2404,7 +2422,8 @@
           <a:p>
             <a:fld id="{477CF345-BC39-40AB-9A98-6ED92A2B4BE0}" type="datetimeFigureOut">
               <a:rPr lang="en-AU" smtClean="0"/>
-              <a:t>23/03/2024</a:t>
+              <a:pPr/>
+              <a:t>24/03/2024</a:t>
             </a:fld>
             <a:endParaRPr lang="en-AU"/>
           </a:p>
@@ -2415,7 +2434,7 @@
           <p:cNvPr id="6" name="Footer Placeholder 5">
             <a:extLst>
               <a:ext uri="{FF2B5EF4-FFF2-40B4-BE49-F238E27FC236}">
-                <a16:creationId xmlns:a16="http://schemas.microsoft.com/office/drawing/2014/main" id="{E53EFB36-7136-760C-19CB-9B3CEEBDEA20}"/>
+                <a16:creationId xmlns:a16="http://schemas.microsoft.com/office/drawing/2014/main" xmlns="" id="{E53EFB36-7136-760C-19CB-9B3CEEBDEA20}"/>
               </a:ext>
             </a:extLst>
           </p:cNvPr>
@@ -2440,7 +2459,7 @@
           <p:cNvPr id="7" name="Slide Number Placeholder 6">
             <a:extLst>
               <a:ext uri="{FF2B5EF4-FFF2-40B4-BE49-F238E27FC236}">
-                <a16:creationId xmlns:a16="http://schemas.microsoft.com/office/drawing/2014/main" id="{5DC80B0B-0B46-0032-C83E-A2D195FD9608}"/>
+                <a16:creationId xmlns:a16="http://schemas.microsoft.com/office/drawing/2014/main" xmlns="" id="{5DC80B0B-0B46-0032-C83E-A2D195FD9608}"/>
               </a:ext>
             </a:extLst>
           </p:cNvPr>
@@ -2458,6 +2477,7 @@
           <a:p>
             <a:fld id="{3CF5BF7F-F7DD-46E0-B84C-BD828AC39949}" type="slidenum">
               <a:rPr lang="en-AU" smtClean="0"/>
+              <a:pPr/>
               <a:t>‹#›</a:t>
             </a:fld>
             <a:endParaRPr lang="en-AU"/>
@@ -2467,7 +2487,7 @@
     </p:spTree>
     <p:extLst>
       <p:ext uri="{BB962C8B-B14F-4D97-AF65-F5344CB8AC3E}">
-        <p14:creationId xmlns:p14="http://schemas.microsoft.com/office/powerpoint/2010/main" val="1721347569"/>
+        <p14:creationId xmlns:p14="http://schemas.microsoft.com/office/powerpoint/2010/main" xmlns="" val="1721347569"/>
       </p:ext>
     </p:extLst>
   </p:cSld>
@@ -2499,7 +2519,7 @@
           <p:cNvPr id="2" name="Title 1">
             <a:extLst>
               <a:ext uri="{FF2B5EF4-FFF2-40B4-BE49-F238E27FC236}">
-                <a16:creationId xmlns:a16="http://schemas.microsoft.com/office/drawing/2014/main" id="{1BC6B160-5EDD-1D75-E8CF-CBABBD7BDD21}"/>
+                <a16:creationId xmlns:a16="http://schemas.microsoft.com/office/drawing/2014/main" xmlns="" id="{1BC6B160-5EDD-1D75-E8CF-CBABBD7BDD21}"/>
               </a:ext>
             </a:extLst>
           </p:cNvPr>
@@ -2537,7 +2557,7 @@
           <p:cNvPr id="3" name="Picture Placeholder 2">
             <a:extLst>
               <a:ext uri="{FF2B5EF4-FFF2-40B4-BE49-F238E27FC236}">
-                <a16:creationId xmlns:a16="http://schemas.microsoft.com/office/drawing/2014/main" id="{84328F31-E866-46AE-62E4-21593DBC3AD7}"/>
+                <a16:creationId xmlns:a16="http://schemas.microsoft.com/office/drawing/2014/main" xmlns="" id="{84328F31-E866-46AE-62E4-21593DBC3AD7}"/>
               </a:ext>
             </a:extLst>
           </p:cNvPr>
@@ -2604,7 +2624,7 @@
           <p:cNvPr id="4" name="Text Placeholder 3">
             <a:extLst>
               <a:ext uri="{FF2B5EF4-FFF2-40B4-BE49-F238E27FC236}">
-                <a16:creationId xmlns:a16="http://schemas.microsoft.com/office/drawing/2014/main" id="{F24AA925-46CA-D1FB-D222-CF04CBB74E0F}"/>
+                <a16:creationId xmlns:a16="http://schemas.microsoft.com/office/drawing/2014/main" xmlns="" id="{F24AA925-46CA-D1FB-D222-CF04CBB74E0F}"/>
               </a:ext>
             </a:extLst>
           </p:cNvPr>
@@ -2675,7 +2695,7 @@
           <p:cNvPr id="5" name="Date Placeholder 4">
             <a:extLst>
               <a:ext uri="{FF2B5EF4-FFF2-40B4-BE49-F238E27FC236}">
-                <a16:creationId xmlns:a16="http://schemas.microsoft.com/office/drawing/2014/main" id="{66583680-62A5-6C10-DDB3-D4E3D864225E}"/>
+                <a16:creationId xmlns:a16="http://schemas.microsoft.com/office/drawing/2014/main" xmlns="" id="{66583680-62A5-6C10-DDB3-D4E3D864225E}"/>
               </a:ext>
             </a:extLst>
           </p:cNvPr>
@@ -2693,7 +2713,8 @@
           <a:p>
             <a:fld id="{477CF345-BC39-40AB-9A98-6ED92A2B4BE0}" type="datetimeFigureOut">
               <a:rPr lang="en-AU" smtClean="0"/>
-              <a:t>23/03/2024</a:t>
+              <a:pPr/>
+              <a:t>24/03/2024</a:t>
             </a:fld>
             <a:endParaRPr lang="en-AU"/>
           </a:p>
@@ -2704,7 +2725,7 @@
           <p:cNvPr id="6" name="Footer Placeholder 5">
             <a:extLst>
               <a:ext uri="{FF2B5EF4-FFF2-40B4-BE49-F238E27FC236}">
-                <a16:creationId xmlns:a16="http://schemas.microsoft.com/office/drawing/2014/main" id="{31B38A5B-FE27-D5B5-E582-FC0A18706A5D}"/>
+                <a16:creationId xmlns:a16="http://schemas.microsoft.com/office/drawing/2014/main" xmlns="" id="{31B38A5B-FE27-D5B5-E582-FC0A18706A5D}"/>
               </a:ext>
             </a:extLst>
           </p:cNvPr>
@@ -2729,7 +2750,7 @@
           <p:cNvPr id="7" name="Slide Number Placeholder 6">
             <a:extLst>
               <a:ext uri="{FF2B5EF4-FFF2-40B4-BE49-F238E27FC236}">
-                <a16:creationId xmlns:a16="http://schemas.microsoft.com/office/drawing/2014/main" id="{64E09781-6643-EE77-4F49-5E322A9CE260}"/>
+                <a16:creationId xmlns:a16="http://schemas.microsoft.com/office/drawing/2014/main" xmlns="" id="{64E09781-6643-EE77-4F49-5E322A9CE260}"/>
               </a:ext>
             </a:extLst>
           </p:cNvPr>
@@ -2747,6 +2768,7 @@
           <a:p>
             <a:fld id="{3CF5BF7F-F7DD-46E0-B84C-BD828AC39949}" type="slidenum">
               <a:rPr lang="en-AU" smtClean="0"/>
+              <a:pPr/>
               <a:t>‹#›</a:t>
             </a:fld>
             <a:endParaRPr lang="en-AU"/>
@@ -2756,7 +2778,7 @@
     </p:spTree>
     <p:extLst>
       <p:ext uri="{BB962C8B-B14F-4D97-AF65-F5344CB8AC3E}">
-        <p14:creationId xmlns:p14="http://schemas.microsoft.com/office/powerpoint/2010/main" val="3252050715"/>
+        <p14:creationId xmlns:p14="http://schemas.microsoft.com/office/powerpoint/2010/main" xmlns="" val="3252050715"/>
       </p:ext>
     </p:extLst>
   </p:cSld>
@@ -2793,7 +2815,7 @@
           <p:cNvPr id="2" name="Title Placeholder 1">
             <a:extLst>
               <a:ext uri="{FF2B5EF4-FFF2-40B4-BE49-F238E27FC236}">
-                <a16:creationId xmlns:a16="http://schemas.microsoft.com/office/drawing/2014/main" id="{7680604D-DD36-9C8D-73D6-7BFFF8658962}"/>
+                <a16:creationId xmlns:a16="http://schemas.microsoft.com/office/drawing/2014/main" xmlns="" id="{7680604D-DD36-9C8D-73D6-7BFFF8658962}"/>
               </a:ext>
             </a:extLst>
           </p:cNvPr>
@@ -2832,7 +2854,7 @@
           <p:cNvPr id="3" name="Text Placeholder 2">
             <a:extLst>
               <a:ext uri="{FF2B5EF4-FFF2-40B4-BE49-F238E27FC236}">
-                <a16:creationId xmlns:a16="http://schemas.microsoft.com/office/drawing/2014/main" id="{912EF057-917C-4291-5EBD-7503B1339B8E}"/>
+                <a16:creationId xmlns:a16="http://schemas.microsoft.com/office/drawing/2014/main" xmlns="" id="{912EF057-917C-4291-5EBD-7503B1339B8E}"/>
               </a:ext>
             </a:extLst>
           </p:cNvPr>
@@ -2900,7 +2922,7 @@
           <p:cNvPr id="4" name="Date Placeholder 3">
             <a:extLst>
               <a:ext uri="{FF2B5EF4-FFF2-40B4-BE49-F238E27FC236}">
-                <a16:creationId xmlns:a16="http://schemas.microsoft.com/office/drawing/2014/main" id="{52A03CB5-8578-5B66-92A0-D1562D3E67A3}"/>
+                <a16:creationId xmlns:a16="http://schemas.microsoft.com/office/drawing/2014/main" xmlns="" id="{52A03CB5-8578-5B66-92A0-D1562D3E67A3}"/>
               </a:ext>
             </a:extLst>
           </p:cNvPr>
@@ -2936,7 +2958,8 @@
           <a:p>
             <a:fld id="{477CF345-BC39-40AB-9A98-6ED92A2B4BE0}" type="datetimeFigureOut">
               <a:rPr lang="en-AU" smtClean="0"/>
-              <a:t>23/03/2024</a:t>
+              <a:pPr/>
+              <a:t>24/03/2024</a:t>
             </a:fld>
             <a:endParaRPr lang="en-AU"/>
           </a:p>
@@ -2947,7 +2970,7 @@
           <p:cNvPr id="5" name="Footer Placeholder 4">
             <a:extLst>
               <a:ext uri="{FF2B5EF4-FFF2-40B4-BE49-F238E27FC236}">
-                <a16:creationId xmlns:a16="http://schemas.microsoft.com/office/drawing/2014/main" id="{1DF036DC-7F60-5FBB-3329-61D4167FA2D4}"/>
+                <a16:creationId xmlns:a16="http://schemas.microsoft.com/office/drawing/2014/main" xmlns="" id="{1DF036DC-7F60-5FBB-3329-61D4167FA2D4}"/>
               </a:ext>
             </a:extLst>
           </p:cNvPr>
@@ -2990,7 +3013,7 @@
           <p:cNvPr id="6" name="Slide Number Placeholder 5">
             <a:extLst>
               <a:ext uri="{FF2B5EF4-FFF2-40B4-BE49-F238E27FC236}">
-                <a16:creationId xmlns:a16="http://schemas.microsoft.com/office/drawing/2014/main" id="{E8E566FD-8FB5-76DC-4A29-B2784A36E156}"/>
+                <a16:creationId xmlns:a16="http://schemas.microsoft.com/office/drawing/2014/main" xmlns="" id="{E8E566FD-8FB5-76DC-4A29-B2784A36E156}"/>
               </a:ext>
             </a:extLst>
           </p:cNvPr>
@@ -3026,6 +3049,7 @@
           <a:p>
             <a:fld id="{3CF5BF7F-F7DD-46E0-B84C-BD828AC39949}" type="slidenum">
               <a:rPr lang="en-AU" smtClean="0"/>
+              <a:pPr/>
               <a:t>‹#›</a:t>
             </a:fld>
             <a:endParaRPr lang="en-AU"/>
@@ -3035,7 +3059,7 @@
     </p:spTree>
     <p:extLst>
       <p:ext uri="{BB962C8B-B14F-4D97-AF65-F5344CB8AC3E}">
-        <p14:creationId xmlns:p14="http://schemas.microsoft.com/office/powerpoint/2010/main" val="3548997211"/>
+        <p14:creationId xmlns:p14="http://schemas.microsoft.com/office/powerpoint/2010/main" xmlns="" val="3548997211"/>
       </p:ext>
     </p:extLst>
   </p:cSld>
@@ -3366,10 +3390,10 @@
           <p:cNvPr id="8" name="Rectangle 7">
             <a:extLst>
               <a:ext uri="{FF2B5EF4-FFF2-40B4-BE49-F238E27FC236}">
-                <a16:creationId xmlns:a16="http://schemas.microsoft.com/office/drawing/2014/main" id="{A8DB9CD9-59B1-4D73-BC4C-98796A48EF9B}"/>
+                <a16:creationId xmlns:a16="http://schemas.microsoft.com/office/drawing/2014/main" xmlns="" id="{A8DB9CD9-59B1-4D73-BC4C-98796A48EF9B}"/>
               </a:ext>
               <a:ext uri="{C183D7F6-B498-43B3-948B-1728B52AA6E4}">
-                <adec:decorative xmlns:adec="http://schemas.microsoft.com/office/drawing/2017/decorative" val="1"/>
+                <adec:decorative xmlns:adec="http://schemas.microsoft.com/office/drawing/2017/decorative" xmlns="" val="1"/>
               </a:ext>
             </a:extLst>
           </p:cNvPr>
@@ -3379,7 +3403,7 @@
           <p:nvPr>
             <p:extLst>
               <p:ext uri="{386F3935-93C4-4BCD-93E2-E3B085C9AB24}">
-                <p16:designElem xmlns:p16="http://schemas.microsoft.com/office/powerpoint/2015/main" val="1"/>
+                <p16:designElem xmlns:p16="http://schemas.microsoft.com/office/powerpoint/2015/main" xmlns="" val="1"/>
               </p:ext>
             </p:extLst>
           </p:nvPr>
@@ -3426,10 +3450,10 @@
           <p:cNvPr id="10" name="Rectangle 9">
             <a:extLst>
               <a:ext uri="{FF2B5EF4-FFF2-40B4-BE49-F238E27FC236}">
-                <a16:creationId xmlns:a16="http://schemas.microsoft.com/office/drawing/2014/main" id="{8874A6A9-41FF-4E33-AFA8-F9F81436A59E}"/>
+                <a16:creationId xmlns:a16="http://schemas.microsoft.com/office/drawing/2014/main" xmlns="" id="{8874A6A9-41FF-4E33-AFA8-F9F81436A59E}"/>
               </a:ext>
               <a:ext uri="{C183D7F6-B498-43B3-948B-1728B52AA6E4}">
-                <adec:decorative xmlns:adec="http://schemas.microsoft.com/office/drawing/2017/decorative" val="1"/>
+                <adec:decorative xmlns:adec="http://schemas.microsoft.com/office/drawing/2017/decorative" xmlns="" val="1"/>
               </a:ext>
             </a:extLst>
           </p:cNvPr>
@@ -3439,7 +3463,7 @@
           <p:nvPr>
             <p:extLst>
               <p:ext uri="{386F3935-93C4-4BCD-93E2-E3B085C9AB24}">
-                <p16:designElem xmlns:p16="http://schemas.microsoft.com/office/powerpoint/2015/main" val="1"/>
+                <p16:designElem xmlns:p16="http://schemas.microsoft.com/office/powerpoint/2015/main" xmlns="" val="1"/>
               </p:ext>
             </p:extLst>
           </p:nvPr>
@@ -3502,10 +3526,10 @@
           <p:cNvPr id="12" name="Group 11">
             <a:extLst>
               <a:ext uri="{FF2B5EF4-FFF2-40B4-BE49-F238E27FC236}">
-                <a16:creationId xmlns:a16="http://schemas.microsoft.com/office/drawing/2014/main" id="{721D730E-1F97-4071-B143-B05E6D2599BC}"/>
+                <a16:creationId xmlns:a16="http://schemas.microsoft.com/office/drawing/2014/main" xmlns="" id="{721D730E-1F97-4071-B143-B05E6D2599BC}"/>
               </a:ext>
               <a:ext uri="{C183D7F6-B498-43B3-948B-1728B52AA6E4}">
-                <adec:decorative xmlns:adec="http://schemas.microsoft.com/office/drawing/2017/decorative" val="1"/>
+                <adec:decorative xmlns:adec="http://schemas.microsoft.com/office/drawing/2017/decorative" xmlns="" val="1"/>
               </a:ext>
             </a:extLst>
           </p:cNvPr>
@@ -3515,7 +3539,7 @@
           <p:nvPr>
             <p:extLst>
               <p:ext uri="{386F3935-93C4-4BCD-93E2-E3B085C9AB24}">
-                <p16:designElem xmlns:p16="http://schemas.microsoft.com/office/powerpoint/2015/main" val="1"/>
+                <p16:designElem xmlns:p16="http://schemas.microsoft.com/office/powerpoint/2015/main" xmlns="" val="1"/>
               </p:ext>
             </p:extLst>
           </p:nvPr>
@@ -3533,10 +3557,10 @@
             <p:cNvPr id="13" name="Freeform: Shape 12">
               <a:extLst>
                 <a:ext uri="{FF2B5EF4-FFF2-40B4-BE49-F238E27FC236}">
-                  <a16:creationId xmlns:a16="http://schemas.microsoft.com/office/drawing/2014/main" id="{B3849C6A-9EE5-4604-8EAE-DD4796B79D8E}"/>
+                  <a16:creationId xmlns:a16="http://schemas.microsoft.com/office/drawing/2014/main" xmlns="" id="{B3849C6A-9EE5-4604-8EAE-DD4796B79D8E}"/>
                 </a:ext>
                 <a:ext uri="{C183D7F6-B498-43B3-948B-1728B52AA6E4}">
-                  <adec:decorative xmlns:adec="http://schemas.microsoft.com/office/drawing/2017/decorative" val="1"/>
+                  <adec:decorative xmlns:adec="http://schemas.microsoft.com/office/drawing/2017/decorative" xmlns="" val="1"/>
                 </a:ext>
               </a:extLst>
             </p:cNvPr>
@@ -3544,7 +3568,7 @@
             <p:nvPr>
               <p:extLst>
                 <p:ext uri="{386F3935-93C4-4BCD-93E2-E3B085C9AB24}">
-                  <p16:designElem xmlns:p16="http://schemas.microsoft.com/office/powerpoint/2015/main" val="1"/>
+                  <p16:designElem xmlns:p16="http://schemas.microsoft.com/office/powerpoint/2015/main" xmlns="" val="1"/>
                 </p:ext>
               </p:extLst>
             </p:nvPr>
@@ -4288,10 +4312,10 @@
             <p:cNvPr id="14" name="Freeform: Shape 13">
               <a:extLst>
                 <a:ext uri="{FF2B5EF4-FFF2-40B4-BE49-F238E27FC236}">
-                  <a16:creationId xmlns:a16="http://schemas.microsoft.com/office/drawing/2014/main" id="{308677BE-069B-4A4D-8732-E26B6EF5671A}"/>
+                  <a16:creationId xmlns:a16="http://schemas.microsoft.com/office/drawing/2014/main" xmlns="" id="{308677BE-069B-4A4D-8732-E26B6EF5671A}"/>
                 </a:ext>
                 <a:ext uri="{C183D7F6-B498-43B3-948B-1728B52AA6E4}">
-                  <adec:decorative xmlns:adec="http://schemas.microsoft.com/office/drawing/2017/decorative" val="1"/>
+                  <adec:decorative xmlns:adec="http://schemas.microsoft.com/office/drawing/2017/decorative" xmlns="" val="1"/>
                 </a:ext>
               </a:extLst>
             </p:cNvPr>
@@ -4299,7 +4323,7 @@
             <p:nvPr>
               <p:extLst>
                 <p:ext uri="{386F3935-93C4-4BCD-93E2-E3B085C9AB24}">
-                  <p16:designElem xmlns:p16="http://schemas.microsoft.com/office/powerpoint/2015/main" val="1"/>
+                  <p16:designElem xmlns:p16="http://schemas.microsoft.com/office/powerpoint/2015/main" xmlns="" val="1"/>
                 </p:ext>
               </p:extLst>
             </p:nvPr>
@@ -4656,10 +4680,10 @@
             <p:cNvPr id="15" name="Freeform: Shape 14">
               <a:extLst>
                 <a:ext uri="{FF2B5EF4-FFF2-40B4-BE49-F238E27FC236}">
-                  <a16:creationId xmlns:a16="http://schemas.microsoft.com/office/drawing/2014/main" id="{9A9A575B-DD07-4388-963B-0AF3FDDCF3C0}"/>
+                  <a16:creationId xmlns:a16="http://schemas.microsoft.com/office/drawing/2014/main" xmlns="" id="{9A9A575B-DD07-4388-963B-0AF3FDDCF3C0}"/>
                 </a:ext>
                 <a:ext uri="{C183D7F6-B498-43B3-948B-1728B52AA6E4}">
-                  <adec:decorative xmlns:adec="http://schemas.microsoft.com/office/drawing/2017/decorative" val="1"/>
+                  <adec:decorative xmlns:adec="http://schemas.microsoft.com/office/drawing/2017/decorative" xmlns="" val="1"/>
                 </a:ext>
               </a:extLst>
             </p:cNvPr>
@@ -4667,7 +4691,7 @@
             <p:nvPr>
               <p:extLst>
                 <p:ext uri="{386F3935-93C4-4BCD-93E2-E3B085C9AB24}">
-                  <p16:designElem xmlns:p16="http://schemas.microsoft.com/office/powerpoint/2015/main" val="1"/>
+                  <p16:designElem xmlns:p16="http://schemas.microsoft.com/office/powerpoint/2015/main" xmlns="" val="1"/>
                 </p:ext>
               </p:extLst>
             </p:nvPr>
@@ -5039,10 +5063,10 @@
             <p:cNvPr id="16" name="Freeform: Shape 15">
               <a:extLst>
                 <a:ext uri="{FF2B5EF4-FFF2-40B4-BE49-F238E27FC236}">
-                  <a16:creationId xmlns:a16="http://schemas.microsoft.com/office/drawing/2014/main" id="{D55285E4-21EB-4EC1-AB8E-36E881E89927}"/>
+                  <a16:creationId xmlns:a16="http://schemas.microsoft.com/office/drawing/2014/main" xmlns="" id="{D55285E4-21EB-4EC1-AB8E-36E881E89927}"/>
                 </a:ext>
                 <a:ext uri="{C183D7F6-B498-43B3-948B-1728B52AA6E4}">
-                  <adec:decorative xmlns:adec="http://schemas.microsoft.com/office/drawing/2017/decorative" val="1"/>
+                  <adec:decorative xmlns:adec="http://schemas.microsoft.com/office/drawing/2017/decorative" xmlns="" val="1"/>
                 </a:ext>
               </a:extLst>
             </p:cNvPr>
@@ -5050,7 +5074,7 @@
             <p:nvPr>
               <p:extLst>
                 <p:ext uri="{386F3935-93C4-4BCD-93E2-E3B085C9AB24}">
-                  <p16:designElem xmlns:p16="http://schemas.microsoft.com/office/powerpoint/2015/main" val="1"/>
+                  <p16:designElem xmlns:p16="http://schemas.microsoft.com/office/powerpoint/2015/main" xmlns="" val="1"/>
                 </p:ext>
               </p:extLst>
             </p:nvPr>
@@ -5930,10 +5954,10 @@
             <p:cNvPr id="17" name="Freeform: Shape 16">
               <a:extLst>
                 <a:ext uri="{FF2B5EF4-FFF2-40B4-BE49-F238E27FC236}">
-                  <a16:creationId xmlns:a16="http://schemas.microsoft.com/office/drawing/2014/main" id="{6A0C77B5-3FAA-4D4F-9555-89D751608873}"/>
+                  <a16:creationId xmlns:a16="http://schemas.microsoft.com/office/drawing/2014/main" xmlns="" id="{6A0C77B5-3FAA-4D4F-9555-89D751608873}"/>
                 </a:ext>
                 <a:ext uri="{C183D7F6-B498-43B3-948B-1728B52AA6E4}">
-                  <adec:decorative xmlns:adec="http://schemas.microsoft.com/office/drawing/2017/decorative" val="1"/>
+                  <adec:decorative xmlns:adec="http://schemas.microsoft.com/office/drawing/2017/decorative" xmlns="" val="1"/>
                 </a:ext>
               </a:extLst>
             </p:cNvPr>
@@ -5941,7 +5965,7 @@
             <p:nvPr>
               <p:extLst>
                 <p:ext uri="{386F3935-93C4-4BCD-93E2-E3B085C9AB24}">
-                  <p16:designElem xmlns:p16="http://schemas.microsoft.com/office/powerpoint/2015/main" val="1"/>
+                  <p16:designElem xmlns:p16="http://schemas.microsoft.com/office/powerpoint/2015/main" xmlns="" val="1"/>
                 </p:ext>
               </p:extLst>
             </p:nvPr>
@@ -7115,10 +7139,10 @@
             <p:cNvPr id="18" name="Freeform: Shape 17">
               <a:extLst>
                 <a:ext uri="{FF2B5EF4-FFF2-40B4-BE49-F238E27FC236}">
-                  <a16:creationId xmlns:a16="http://schemas.microsoft.com/office/drawing/2014/main" id="{5F0C96D1-A8B7-4C8E-9997-D823FD1591F9}"/>
+                  <a16:creationId xmlns:a16="http://schemas.microsoft.com/office/drawing/2014/main" xmlns="" id="{5F0C96D1-A8B7-4C8E-9997-D823FD1591F9}"/>
                 </a:ext>
                 <a:ext uri="{C183D7F6-B498-43B3-948B-1728B52AA6E4}">
-                  <adec:decorative xmlns:adec="http://schemas.microsoft.com/office/drawing/2017/decorative" val="1"/>
+                  <adec:decorative xmlns:adec="http://schemas.microsoft.com/office/drawing/2017/decorative" xmlns="" val="1"/>
                 </a:ext>
               </a:extLst>
             </p:cNvPr>
@@ -7126,7 +7150,7 @@
             <p:nvPr>
               <p:extLst>
                 <p:ext uri="{386F3935-93C4-4BCD-93E2-E3B085C9AB24}">
-                  <p16:designElem xmlns:p16="http://schemas.microsoft.com/office/powerpoint/2015/main" val="1"/>
+                  <p16:designElem xmlns:p16="http://schemas.microsoft.com/office/powerpoint/2015/main" xmlns="" val="1"/>
                 </p:ext>
               </p:extLst>
             </p:nvPr>
@@ -9216,10 +9240,10 @@
             <p:cNvPr id="19" name="Freeform: Shape 18">
               <a:extLst>
                 <a:ext uri="{FF2B5EF4-FFF2-40B4-BE49-F238E27FC236}">
-                  <a16:creationId xmlns:a16="http://schemas.microsoft.com/office/drawing/2014/main" id="{DA46556D-445B-4CD0-87A0-02A30BD1B152}"/>
+                  <a16:creationId xmlns:a16="http://schemas.microsoft.com/office/drawing/2014/main" xmlns="" id="{DA46556D-445B-4CD0-87A0-02A30BD1B152}"/>
                 </a:ext>
                 <a:ext uri="{C183D7F6-B498-43B3-948B-1728B52AA6E4}">
-                  <adec:decorative xmlns:adec="http://schemas.microsoft.com/office/drawing/2017/decorative" val="1"/>
+                  <adec:decorative xmlns:adec="http://schemas.microsoft.com/office/drawing/2017/decorative" xmlns="" val="1"/>
                 </a:ext>
               </a:extLst>
             </p:cNvPr>
@@ -9227,7 +9251,7 @@
             <p:nvPr>
               <p:extLst>
                 <p:ext uri="{386F3935-93C4-4BCD-93E2-E3B085C9AB24}">
-                  <p16:designElem xmlns:p16="http://schemas.microsoft.com/office/powerpoint/2015/main" val="1"/>
+                  <p16:designElem xmlns:p16="http://schemas.microsoft.com/office/powerpoint/2015/main" xmlns="" val="1"/>
                 </p:ext>
               </p:extLst>
             </p:nvPr>
@@ -10408,7 +10432,7 @@
           <p:cNvPr id="2" name="Title 1">
             <a:extLst>
               <a:ext uri="{FF2B5EF4-FFF2-40B4-BE49-F238E27FC236}">
-                <a16:creationId xmlns:a16="http://schemas.microsoft.com/office/drawing/2014/main" id="{44A9E4B5-5E29-CEBA-41C5-A8C2A8C738AD}"/>
+                <a16:creationId xmlns:a16="http://schemas.microsoft.com/office/drawing/2014/main" xmlns="" id="{44A9E4B5-5E29-CEBA-41C5-A8C2A8C738AD}"/>
               </a:ext>
             </a:extLst>
           </p:cNvPr>
@@ -10447,7 +10471,7 @@
           <p:cNvPr id="3" name="Subtitle 2">
             <a:extLst>
               <a:ext uri="{FF2B5EF4-FFF2-40B4-BE49-F238E27FC236}">
-                <a16:creationId xmlns:a16="http://schemas.microsoft.com/office/drawing/2014/main" id="{08AA6141-5971-EC79-A20F-269860CA7F96}"/>
+                <a16:creationId xmlns:a16="http://schemas.microsoft.com/office/drawing/2014/main" xmlns="" id="{08AA6141-5971-EC79-A20F-269860CA7F96}"/>
               </a:ext>
             </a:extLst>
           </p:cNvPr>
@@ -10515,13 +10539,20 @@
     </p:spTree>
     <p:extLst>
       <p:ext uri="{BB962C8B-B14F-4D97-AF65-F5344CB8AC3E}">
-        <p14:creationId xmlns:p14="http://schemas.microsoft.com/office/powerpoint/2010/main" val="2864666635"/>
+        <p14:creationId xmlns:p14="http://schemas.microsoft.com/office/powerpoint/2010/main" xmlns="" val="2864666635"/>
       </p:ext>
     </p:extLst>
   </p:cSld>
   <p:clrMapOvr>
     <a:masterClrMapping/>
   </p:clrMapOvr>
+  <p:timing>
+    <p:tnLst>
+      <p:par>
+        <p:cTn id="1" dur="indefinite" restart="never" nodeType="tmRoot"/>
+      </p:par>
+    </p:tnLst>
+  </p:timing>
 </p:sld>
 </file>
 
@@ -10547,7 +10578,7 @@
           <p:cNvPr id="3" name="Content Placeholder 2">
             <a:extLst>
               <a:ext uri="{FF2B5EF4-FFF2-40B4-BE49-F238E27FC236}">
-                <a16:creationId xmlns:a16="http://schemas.microsoft.com/office/drawing/2014/main" id="{802F3737-CD19-6AAF-BC9D-A05606F33D04}"/>
+                <a16:creationId xmlns:a16="http://schemas.microsoft.com/office/drawing/2014/main" xmlns="" id="{802F3737-CD19-6AAF-BC9D-A05606F33D04}"/>
               </a:ext>
             </a:extLst>
           </p:cNvPr>
@@ -10609,13 +10640,20 @@
     </p:spTree>
     <p:extLst>
       <p:ext uri="{BB962C8B-B14F-4D97-AF65-F5344CB8AC3E}">
-        <p14:creationId xmlns:p14="http://schemas.microsoft.com/office/powerpoint/2010/main" val="3691581336"/>
+        <p14:creationId xmlns:p14="http://schemas.microsoft.com/office/powerpoint/2010/main" xmlns="" val="3691581336"/>
       </p:ext>
     </p:extLst>
   </p:cSld>
   <p:clrMapOvr>
     <a:masterClrMapping/>
   </p:clrMapOvr>
+  <p:timing>
+    <p:tnLst>
+      <p:par>
+        <p:cTn id="1" dur="indefinite" restart="never" nodeType="tmRoot"/>
+      </p:par>
+    </p:tnLst>
+  </p:timing>
 </p:sld>
 </file>
 
@@ -10641,7 +10679,7 @@
           <p:cNvPr id="3" name="Content Placeholder 2">
             <a:extLst>
               <a:ext uri="{FF2B5EF4-FFF2-40B4-BE49-F238E27FC236}">
-                <a16:creationId xmlns:a16="http://schemas.microsoft.com/office/drawing/2014/main" id="{3DE3BC14-14C0-FA08-EAF2-67032FAC171A}"/>
+                <a16:creationId xmlns:a16="http://schemas.microsoft.com/office/drawing/2014/main" xmlns="" id="{3DE3BC14-14C0-FA08-EAF2-67032FAC171A}"/>
               </a:ext>
             </a:extLst>
           </p:cNvPr>
@@ -11006,13 +11044,20 @@
     </p:spTree>
     <p:extLst>
       <p:ext uri="{BB962C8B-B14F-4D97-AF65-F5344CB8AC3E}">
-        <p14:creationId xmlns:p14="http://schemas.microsoft.com/office/powerpoint/2010/main" val="4078623010"/>
+        <p14:creationId xmlns:p14="http://schemas.microsoft.com/office/powerpoint/2010/main" xmlns="" val="4078623010"/>
       </p:ext>
     </p:extLst>
   </p:cSld>
   <p:clrMapOvr>
     <a:masterClrMapping/>
   </p:clrMapOvr>
+  <p:timing>
+    <p:tnLst>
+      <p:par>
+        <p:cTn id="1" dur="indefinite" restart="never" nodeType="tmRoot"/>
+      </p:par>
+    </p:tnLst>
+  </p:timing>
 </p:sld>
 </file>
 
@@ -11038,7 +11083,7 @@
           <p:cNvPr id="3" name="Content Placeholder 2">
             <a:extLst>
               <a:ext uri="{FF2B5EF4-FFF2-40B4-BE49-F238E27FC236}">
-                <a16:creationId xmlns:a16="http://schemas.microsoft.com/office/drawing/2014/main" id="{DBFF34F5-57F9-1D75-40B9-94537A02BC5C}"/>
+                <a16:creationId xmlns:a16="http://schemas.microsoft.com/office/drawing/2014/main" xmlns="" id="{DBFF34F5-57F9-1D75-40B9-94537A02BC5C}"/>
               </a:ext>
             </a:extLst>
           </p:cNvPr>
@@ -11107,7 +11152,7 @@
           <p:cNvPr id="5" name="Title 4">
             <a:extLst>
               <a:ext uri="{FF2B5EF4-FFF2-40B4-BE49-F238E27FC236}">
-                <a16:creationId xmlns:a16="http://schemas.microsoft.com/office/drawing/2014/main" id="{F90B1D69-DBC9-B00B-2F74-5B9BFD2C37AC}"/>
+                <a16:creationId xmlns:a16="http://schemas.microsoft.com/office/drawing/2014/main" xmlns="" id="{F90B1D69-DBC9-B00B-2F74-5B9BFD2C37AC}"/>
               </a:ext>
             </a:extLst>
           </p:cNvPr>
@@ -11138,7 +11183,7 @@
     </p:spTree>
     <p:extLst>
       <p:ext uri="{BB962C8B-B14F-4D97-AF65-F5344CB8AC3E}">
-        <p14:creationId xmlns:p14="http://schemas.microsoft.com/office/powerpoint/2010/main" val="372907587"/>
+        <p14:creationId xmlns:p14="http://schemas.microsoft.com/office/powerpoint/2010/main" xmlns="" val="372907587"/>
       </p:ext>
     </p:extLst>
   </p:cSld>
@@ -11170,7 +11215,7 @@
           <p:cNvPr id="2" name="Title 1">
             <a:extLst>
               <a:ext uri="{FF2B5EF4-FFF2-40B4-BE49-F238E27FC236}">
-                <a16:creationId xmlns:a16="http://schemas.microsoft.com/office/drawing/2014/main" id="{010B7581-886E-0DFA-F5E2-FEA629A6D5D4}"/>
+                <a16:creationId xmlns:a16="http://schemas.microsoft.com/office/drawing/2014/main" xmlns="" id="{010B7581-886E-0DFA-F5E2-FEA629A6D5D4}"/>
               </a:ext>
             </a:extLst>
           </p:cNvPr>
@@ -11205,7 +11250,7 @@
           <p:cNvPr id="5" name="Content Placeholder 4">
             <a:extLst>
               <a:ext uri="{FF2B5EF4-FFF2-40B4-BE49-F238E27FC236}">
-                <a16:creationId xmlns:a16="http://schemas.microsoft.com/office/drawing/2014/main" id="{61EE8851-997B-0EDC-EAC4-934523D3AFC4}"/>
+                <a16:creationId xmlns:a16="http://schemas.microsoft.com/office/drawing/2014/main" xmlns="" id="{61EE8851-997B-0EDC-EAC4-934523D3AFC4}"/>
               </a:ext>
             </a:extLst>
           </p:cNvPr>
@@ -11217,7 +11262,7 @@
           </p:nvPr>
         </p:nvPicPr>
         <p:blipFill>
-          <a:blip r:embed="rId2"/>
+          <a:blip r:embed="rId2" cstate="print"/>
           <a:stretch>
             <a:fillRect/>
           </a:stretch>
@@ -11232,7 +11277,7 @@
     </p:spTree>
     <p:extLst>
       <p:ext uri="{BB962C8B-B14F-4D97-AF65-F5344CB8AC3E}">
-        <p14:creationId xmlns:p14="http://schemas.microsoft.com/office/powerpoint/2010/main" val="586112190"/>
+        <p14:creationId xmlns:p14="http://schemas.microsoft.com/office/powerpoint/2010/main" xmlns="" val="586112190"/>
       </p:ext>
     </p:extLst>
   </p:cSld>
@@ -11264,7 +11309,7 @@
           <p:cNvPr id="2" name="Title 1">
             <a:extLst>
               <a:ext uri="{FF2B5EF4-FFF2-40B4-BE49-F238E27FC236}">
-                <a16:creationId xmlns:a16="http://schemas.microsoft.com/office/drawing/2014/main" id="{346C166B-8E08-75BB-7354-93C43C5C4BE8}"/>
+                <a16:creationId xmlns:a16="http://schemas.microsoft.com/office/drawing/2014/main" xmlns="" id="{346C166B-8E08-75BB-7354-93C43C5C4BE8}"/>
               </a:ext>
             </a:extLst>
           </p:cNvPr>
@@ -11292,7 +11337,7 @@
           <p:cNvPr id="3" name="Content Placeholder 2">
             <a:extLst>
               <a:ext uri="{FF2B5EF4-FFF2-40B4-BE49-F238E27FC236}">
-                <a16:creationId xmlns:a16="http://schemas.microsoft.com/office/drawing/2014/main" id="{778B5CA1-8670-A424-3747-31B497C148FB}"/>
+                <a16:creationId xmlns:a16="http://schemas.microsoft.com/office/drawing/2014/main" xmlns="" id="{778B5CA1-8670-A424-3747-31B497C148FB}"/>
               </a:ext>
             </a:extLst>
           </p:cNvPr>
@@ -11546,7 +11591,7 @@
     </p:spTree>
     <p:extLst>
       <p:ext uri="{BB962C8B-B14F-4D97-AF65-F5344CB8AC3E}">
-        <p14:creationId xmlns:p14="http://schemas.microsoft.com/office/powerpoint/2010/main" val="606873606"/>
+        <p14:creationId xmlns:p14="http://schemas.microsoft.com/office/powerpoint/2010/main" xmlns="" val="606873606"/>
       </p:ext>
     </p:extLst>
   </p:cSld>
@@ -11575,37 +11620,43 @@
       </p:grpSpPr>
       <p:pic>
         <p:nvPicPr>
-          <p:cNvPr id="5" name="Content Placeholder 4">
-            <a:extLst>
-              <a:ext uri="{FF2B5EF4-FFF2-40B4-BE49-F238E27FC236}">
-                <a16:creationId xmlns:a16="http://schemas.microsoft.com/office/drawing/2014/main" id="{2624344B-1F8B-11F6-35F1-52A7934FF294}"/>
-              </a:ext>
-            </a:extLst>
-          </p:cNvPr>
+          <p:cNvPr id="1027" name="Picture 3"/>
           <p:cNvPicPr>
-            <a:picLocks noGrp="1" noChangeAspect="1"/>
+            <a:picLocks noGrp="1" noChangeAspect="1" noChangeArrowheads="1"/>
           </p:cNvPicPr>
           <p:nvPr>
             <p:ph idx="1"/>
           </p:nvPr>
         </p:nvPicPr>
         <p:blipFill>
-          <a:blip r:embed="rId2"/>
+          <a:blip r:embed="rId2" cstate="print"/>
+          <a:srcRect/>
           <a:stretch>
             <a:fillRect/>
           </a:stretch>
         </p:blipFill>
-        <p:spPr>
+        <p:spPr bwMode="auto">
           <a:xfrm>
-            <a:off x="135145" y="0"/>
-            <a:ext cx="12056855" cy="6919575"/>
+            <a:off x="1" y="0"/>
+            <a:ext cx="12219806" cy="6857999"/>
           </a:xfrm>
+          <a:prstGeom prst="rect">
+            <a:avLst/>
+          </a:prstGeom>
+          <a:noFill/>
+          <a:ln w="9525">
+            <a:noFill/>
+            <a:miter lim="800000"/>
+            <a:headEnd/>
+            <a:tailEnd/>
+          </a:ln>
+          <a:effectLst/>
         </p:spPr>
       </p:pic>
     </p:spTree>
     <p:extLst>
       <p:ext uri="{BB962C8B-B14F-4D97-AF65-F5344CB8AC3E}">
-        <p14:creationId xmlns:p14="http://schemas.microsoft.com/office/powerpoint/2010/main" val="2966098746"/>
+        <p14:creationId xmlns:p14="http://schemas.microsoft.com/office/powerpoint/2010/main" xmlns="" val="2966098746"/>
       </p:ext>
     </p:extLst>
   </p:cSld>
@@ -11658,7 +11709,7 @@
     </a:clrScheme>
     <a:fontScheme name="Office">
       <a:majorFont>
-        <a:latin typeface="Calibri Light" panose="020F0302020204030204"/>
+        <a:latin typeface="Calibri Light"/>
         <a:ea typeface=""/>
         <a:cs typeface=""/>
         <a:font script="Jpan" typeface="游ゴシック Light"/>
@@ -11710,7 +11761,7 @@
         <a:font script="Tfng" typeface="Ebrima"/>
       </a:majorFont>
       <a:minorFont>
-        <a:latin typeface="Calibri" panose="020F0502020204030204"/>
+        <a:latin typeface="Calibri"/>
         <a:ea typeface=""/>
         <a:cs typeface=""/>
         <a:font script="Jpan" typeface="游ゴシック"/>
@@ -11904,7 +11955,7 @@
   <a:extraClrSchemeLst/>
   <a:extLst>
     <a:ext uri="{05A4C25C-085E-4340-85A3-A5531E510DB2}">
-      <thm15:themeFamily xmlns:thm15="http://schemas.microsoft.com/office/thememl/2012/main" name="Office Theme" id="{62F939B6-93AF-4DB8-9C6B-D6C7DFDC589F}" vid="{4A3C46E8-61CC-4603-A589-7422A47A8E4A}"/>
+      <thm15:themeFamily xmlns:thm15="http://schemas.microsoft.com/office/thememl/2012/main" xmlns="" name="Office Theme" id="{62F939B6-93AF-4DB8-9C6B-D6C7DFDC589F}" vid="{4A3C46E8-61CC-4603-A589-7422A47A8E4A}"/>
     </a:ext>
   </a:extLst>
 </a:theme>
